--- a/1_GovtDataset/Government_Dataset_Analysis.pptx
+++ b/1_GovtDataset/Government_Dataset_Analysis.pptx
@@ -14,11 +14,9 @@
     <p:sldId id="263" r:id="rId8"/>
     <p:sldId id="264" r:id="rId9"/>
     <p:sldId id="265" r:id="rId10"/>
-    <p:sldId id="269" r:id="rId11"/>
-    <p:sldId id="270" r:id="rId12"/>
-    <p:sldId id="271" r:id="rId13"/>
-    <p:sldId id="268" r:id="rId14"/>
-    <p:sldId id="261" r:id="rId15"/>
+    <p:sldId id="271" r:id="rId11"/>
+    <p:sldId id="268" r:id="rId12"/>
+    <p:sldId id="261" r:id="rId13"/>
   </p:sldIdLst>
   <p:sldSz cx="9144000" cy="6858000" type="screen4x3"/>
   <p:notesSz cx="6858000" cy="9144000"/>
@@ -136,23 +134,31 @@
 </p:presentation>
 </file>
 
+<file path=ppt/revisionInfo.xml><?xml version="1.0" encoding="utf-8"?>
+<p1510:revInfo xmlns:a="http://schemas.openxmlformats.org/drawingml/2006/main" xmlns:r="http://schemas.openxmlformats.org/officeDocument/2006/relationships" xmlns:p1510="http://schemas.microsoft.com/office/powerpoint/2015/10/main">
+  <p1510:revLst>
+    <p1510:client id="{0EEF0464-C730-453D-88EB-B89C461FE0A0}" v="7" dt="2025-03-25T08:18:19.683"/>
+  </p1510:revLst>
+</p1510:revInfo>
+</file>
+
 <file path=ppt/changesInfos/changesInfo1.xml><?xml version="1.0" encoding="utf-8"?>
 <pc:chgInfo xmlns:a="http://schemas.openxmlformats.org/drawingml/2006/main" xmlns:r="http://schemas.openxmlformats.org/officeDocument/2006/relationships" xmlns:ac="http://schemas.microsoft.com/office/drawing/2013/main/command" xmlns:pc="http://schemas.microsoft.com/office/powerpoint/2013/main/command">
   <pc:docChgLst>
     <pc:chgData name="K Swathi Reddy" userId="050f34b42c24da5f" providerId="LiveId" clId="{0EEF0464-C730-453D-88EB-B89C461FE0A0}"/>
-    <pc:docChg chg="modSld">
-      <pc:chgData name="K Swathi Reddy" userId="050f34b42c24da5f" providerId="LiveId" clId="{0EEF0464-C730-453D-88EB-B89C461FE0A0}" dt="2025-03-25T07:47:40.396" v="55" actId="14100"/>
+    <pc:docChg chg="undo custSel delSld modSld">
+      <pc:chgData name="K Swathi Reddy" userId="050f34b42c24da5f" providerId="LiveId" clId="{0EEF0464-C730-453D-88EB-B89C461FE0A0}" dt="2025-03-25T08:20:23.432" v="305" actId="20577"/>
       <pc:docMkLst>
         <pc:docMk/>
       </pc:docMkLst>
-      <pc:sldChg chg="modSp mod">
-        <pc:chgData name="K Swathi Reddy" userId="050f34b42c24da5f" providerId="LiveId" clId="{0EEF0464-C730-453D-88EB-B89C461FE0A0}" dt="2025-03-25T07:47:21.905" v="54" actId="20577"/>
+      <pc:sldChg chg="delSp modSp mod">
+        <pc:chgData name="K Swathi Reddy" userId="050f34b42c24da5f" providerId="LiveId" clId="{0EEF0464-C730-453D-88EB-B89C461FE0A0}" dt="2025-03-25T08:20:23.432" v="305" actId="20577"/>
         <pc:sldMkLst>
           <pc:docMk/>
           <pc:sldMk cId="0" sldId="256"/>
         </pc:sldMkLst>
         <pc:spChg chg="mod">
-          <ac:chgData name="K Swathi Reddy" userId="050f34b42c24da5f" providerId="LiveId" clId="{0EEF0464-C730-453D-88EB-B89C461FE0A0}" dt="2025-03-25T07:44:33.095" v="44" actId="255"/>
+          <ac:chgData name="K Swathi Reddy" userId="050f34b42c24da5f" providerId="LiveId" clId="{0EEF0464-C730-453D-88EB-B89C461FE0A0}" dt="2025-03-25T08:20:23.432" v="305" actId="20577"/>
           <ac:spMkLst>
             <pc:docMk/>
             <pc:sldMk cId="0" sldId="256"/>
@@ -167,15 +173,55 @@
             <ac:spMk id="5" creationId="{AEE9355D-33DA-744E-1135-38EE6892A2E5}"/>
           </ac:spMkLst>
         </pc:spChg>
+        <pc:spChg chg="del">
+          <ac:chgData name="K Swathi Reddy" userId="050f34b42c24da5f" providerId="LiveId" clId="{0EEF0464-C730-453D-88EB-B89C461FE0A0}" dt="2025-03-25T08:09:42.951" v="56" actId="478"/>
+          <ac:spMkLst>
+            <pc:docMk/>
+            <pc:sldMk cId="0" sldId="256"/>
+            <ac:spMk id="6" creationId="{FB237B6E-36DE-DF96-009A-F1CC4371326C}"/>
+          </ac:spMkLst>
+        </pc:spChg>
+        <pc:picChg chg="del mod">
+          <ac:chgData name="K Swathi Reddy" userId="050f34b42c24da5f" providerId="LiveId" clId="{0EEF0464-C730-453D-88EB-B89C461FE0A0}" dt="2025-03-25T08:18:14.185" v="196" actId="478"/>
+          <ac:picMkLst>
+            <pc:docMk/>
+            <pc:sldMk cId="0" sldId="256"/>
+            <ac:picMk id="8" creationId="{5F6C179C-5EA5-894E-26BA-73D917CBEFE2}"/>
+          </ac:picMkLst>
+        </pc:picChg>
+        <pc:picChg chg="del">
+          <ac:chgData name="K Swathi Reddy" userId="050f34b42c24da5f" providerId="LiveId" clId="{0EEF0464-C730-453D-88EB-B89C461FE0A0}" dt="2025-03-25T08:18:16.044" v="197" actId="478"/>
+          <ac:picMkLst>
+            <pc:docMk/>
+            <pc:sldMk cId="0" sldId="256"/>
+            <ac:picMk id="10" creationId="{1C23C557-4C9C-D4E3-2816-46D3B8FAD83C}"/>
+          </ac:picMkLst>
+        </pc:picChg>
+        <pc:picChg chg="del">
+          <ac:chgData name="K Swathi Reddy" userId="050f34b42c24da5f" providerId="LiveId" clId="{0EEF0464-C730-453D-88EB-B89C461FE0A0}" dt="2025-03-25T08:18:19.682" v="198" actId="478"/>
+          <ac:picMkLst>
+            <pc:docMk/>
+            <pc:sldMk cId="0" sldId="256"/>
+            <ac:picMk id="2050" creationId="{1044F920-CD54-DBAF-79AC-B3D522BC8DBD}"/>
+          </ac:picMkLst>
+        </pc:picChg>
       </pc:sldChg>
-      <pc:sldChg chg="modSp mod">
-        <pc:chgData name="K Swathi Reddy" userId="050f34b42c24da5f" providerId="LiveId" clId="{0EEF0464-C730-453D-88EB-B89C461FE0A0}" dt="2025-03-25T07:47:40.396" v="55" actId="14100"/>
+      <pc:sldChg chg="addSp modSp mod">
+        <pc:chgData name="K Swathi Reddy" userId="050f34b42c24da5f" providerId="LiveId" clId="{0EEF0464-C730-453D-88EB-B89C461FE0A0}" dt="2025-03-25T08:11:42.878" v="59"/>
         <pc:sldMkLst>
           <pc:docMk/>
           <pc:sldMk cId="0" sldId="258"/>
         </pc:sldMkLst>
+        <pc:spChg chg="add mod">
+          <ac:chgData name="K Swathi Reddy" userId="050f34b42c24da5f" providerId="LiveId" clId="{0EEF0464-C730-453D-88EB-B89C461FE0A0}" dt="2025-03-25T08:11:42.878" v="59"/>
+          <ac:spMkLst>
+            <pc:docMk/>
+            <pc:sldMk cId="0" sldId="258"/>
+            <ac:spMk id="3" creationId="{8CB487E2-A6DF-53E9-072F-3712ACD765C2}"/>
+          </ac:spMkLst>
+        </pc:spChg>
         <pc:picChg chg="mod">
-          <ac:chgData name="K Swathi Reddy" userId="050f34b42c24da5f" providerId="LiveId" clId="{0EEF0464-C730-453D-88EB-B89C461FE0A0}" dt="2025-03-25T07:47:40.396" v="55" actId="14100"/>
+          <ac:chgData name="K Swathi Reddy" userId="050f34b42c24da5f" providerId="LiveId" clId="{0EEF0464-C730-453D-88EB-B89C461FE0A0}" dt="2025-03-25T08:11:29.929" v="57" actId="14100"/>
           <ac:picMkLst>
             <pc:docMk/>
             <pc:sldMk cId="0" sldId="258"/>
@@ -184,17 +230,194 @@
         </pc:picChg>
       </pc:sldChg>
       <pc:sldChg chg="modSp mod">
-        <pc:chgData name="K Swathi Reddy" userId="050f34b42c24da5f" providerId="LiveId" clId="{0EEF0464-C730-453D-88EB-B89C461FE0A0}" dt="2025-03-25T07:45:07.668" v="46" actId="14100"/>
+        <pc:chgData name="K Swathi Reddy" userId="050f34b42c24da5f" providerId="LiveId" clId="{0EEF0464-C730-453D-88EB-B89C461FE0A0}" dt="2025-03-25T08:12:42.832" v="147" actId="1076"/>
+        <pc:sldMkLst>
+          <pc:docMk/>
+          <pc:sldMk cId="0" sldId="259"/>
+        </pc:sldMkLst>
+        <pc:spChg chg="mod">
+          <ac:chgData name="K Swathi Reddy" userId="050f34b42c24da5f" providerId="LiveId" clId="{0EEF0464-C730-453D-88EB-B89C461FE0A0}" dt="2025-03-25T08:12:42.832" v="147" actId="1076"/>
+          <ac:spMkLst>
+            <pc:docMk/>
+            <pc:sldMk cId="0" sldId="259"/>
+            <ac:spMk id="4" creationId="{00000000-0000-0000-0000-000000000000}"/>
+          </ac:spMkLst>
+        </pc:spChg>
+        <pc:picChg chg="mod">
+          <ac:chgData name="K Swathi Reddy" userId="050f34b42c24da5f" providerId="LiveId" clId="{0EEF0464-C730-453D-88EB-B89C461FE0A0}" dt="2025-03-25T08:12:38.561" v="146" actId="1076"/>
+          <ac:picMkLst>
+            <pc:docMk/>
+            <pc:sldMk cId="0" sldId="259"/>
+            <ac:picMk id="6" creationId="{FD8DF7EA-DE4F-E6A5-C7D1-5BD827F24570}"/>
+          </ac:picMkLst>
+        </pc:picChg>
+      </pc:sldChg>
+      <pc:sldChg chg="addSp modSp mod">
+        <pc:chgData name="K Swathi Reddy" userId="050f34b42c24da5f" providerId="LiveId" clId="{0EEF0464-C730-453D-88EB-B89C461FE0A0}" dt="2025-03-25T08:13:27.934" v="152"/>
+        <pc:sldMkLst>
+          <pc:docMk/>
+          <pc:sldMk cId="3237482633" sldId="263"/>
+        </pc:sldMkLst>
+        <pc:spChg chg="add mod">
+          <ac:chgData name="K Swathi Reddy" userId="050f34b42c24da5f" providerId="LiveId" clId="{0EEF0464-C730-453D-88EB-B89C461FE0A0}" dt="2025-03-25T08:13:27.934" v="152"/>
+          <ac:spMkLst>
+            <pc:docMk/>
+            <pc:sldMk cId="3237482633" sldId="263"/>
+            <ac:spMk id="3" creationId="{18072266-CE4C-2B60-31A4-C9376A657000}"/>
+          </ac:spMkLst>
+        </pc:spChg>
+        <pc:picChg chg="mod">
+          <ac:chgData name="K Swathi Reddy" userId="050f34b42c24da5f" providerId="LiveId" clId="{0EEF0464-C730-453D-88EB-B89C461FE0A0}" dt="2025-03-25T08:13:14.423" v="150" actId="14100"/>
+          <ac:picMkLst>
+            <pc:docMk/>
+            <pc:sldMk cId="3237482633" sldId="263"/>
+            <ac:picMk id="4" creationId="{60667058-A872-1E6C-158A-580804B85F87}"/>
+          </ac:picMkLst>
+        </pc:picChg>
+      </pc:sldChg>
+      <pc:sldChg chg="addSp delSp modSp mod">
+        <pc:chgData name="K Swathi Reddy" userId="050f34b42c24da5f" providerId="LiveId" clId="{0EEF0464-C730-453D-88EB-B89C461FE0A0}" dt="2025-03-25T08:14:34.464" v="160"/>
+        <pc:sldMkLst>
+          <pc:docMk/>
+          <pc:sldMk cId="605131408" sldId="264"/>
+        </pc:sldMkLst>
+        <pc:spChg chg="mod">
+          <ac:chgData name="K Swathi Reddy" userId="050f34b42c24da5f" providerId="LiveId" clId="{0EEF0464-C730-453D-88EB-B89C461FE0A0}" dt="2025-03-25T08:13:37.949" v="153" actId="14100"/>
+          <ac:spMkLst>
+            <pc:docMk/>
+            <pc:sldMk cId="605131408" sldId="264"/>
+            <ac:spMk id="2" creationId="{ECB196BB-D380-FF89-323A-AFB9FA5035E7}"/>
+          </ac:spMkLst>
+        </pc:spChg>
+        <pc:spChg chg="add mod">
+          <ac:chgData name="K Swathi Reddy" userId="050f34b42c24da5f" providerId="LiveId" clId="{0EEF0464-C730-453D-88EB-B89C461FE0A0}" dt="2025-03-25T08:14:34.464" v="160"/>
+          <ac:spMkLst>
+            <pc:docMk/>
+            <pc:sldMk cId="605131408" sldId="264"/>
+            <ac:spMk id="3" creationId="{2D609983-2FD2-524D-C7AF-55B0C677E923}"/>
+          </ac:spMkLst>
+        </pc:spChg>
+        <pc:spChg chg="del mod">
+          <ac:chgData name="K Swathi Reddy" userId="050f34b42c24da5f" providerId="LiveId" clId="{0EEF0464-C730-453D-88EB-B89C461FE0A0}" dt="2025-03-25T08:13:49.953" v="158"/>
+          <ac:spMkLst>
+            <pc:docMk/>
+            <pc:sldMk cId="605131408" sldId="264"/>
+            <ac:spMk id="6" creationId="{2B3F93EA-53EB-56AC-8846-A71BB200571C}"/>
+          </ac:spMkLst>
+        </pc:spChg>
+        <pc:picChg chg="mod">
+          <ac:chgData name="K Swathi Reddy" userId="050f34b42c24da5f" providerId="LiveId" clId="{0EEF0464-C730-453D-88EB-B89C461FE0A0}" dt="2025-03-25T08:13:43.119" v="155" actId="14100"/>
+          <ac:picMkLst>
+            <pc:docMk/>
+            <pc:sldMk cId="605131408" sldId="264"/>
+            <ac:picMk id="5" creationId="{D7D9D08A-1CA2-F80D-266F-5E7D62F84416}"/>
+          </ac:picMkLst>
+        </pc:picChg>
+      </pc:sldChg>
+      <pc:sldChg chg="addSp delSp modSp mod">
+        <pc:chgData name="K Swathi Reddy" userId="050f34b42c24da5f" providerId="LiveId" clId="{0EEF0464-C730-453D-88EB-B89C461FE0A0}" dt="2025-03-25T08:15:56.491" v="170" actId="1076"/>
         <pc:sldMkLst>
           <pc:docMk/>
           <pc:sldMk cId="3000673495" sldId="265"/>
         </pc:sldMkLst>
+        <pc:spChg chg="del mod">
+          <ac:chgData name="K Swathi Reddy" userId="050f34b42c24da5f" providerId="LiveId" clId="{0EEF0464-C730-453D-88EB-B89C461FE0A0}" dt="2025-03-25T08:15:27.637" v="165" actId="478"/>
+          <ac:spMkLst>
+            <pc:docMk/>
+            <pc:sldMk cId="3000673495" sldId="265"/>
+            <ac:spMk id="2" creationId="{85FFC2CB-7EFE-5848-E355-AA2270B34ADB}"/>
+          </ac:spMkLst>
+        </pc:spChg>
+        <pc:spChg chg="add mod">
+          <ac:chgData name="K Swathi Reddy" userId="050f34b42c24da5f" providerId="LiveId" clId="{0EEF0464-C730-453D-88EB-B89C461FE0A0}" dt="2025-03-25T08:15:56.491" v="170" actId="1076"/>
+          <ac:spMkLst>
+            <pc:docMk/>
+            <pc:sldMk cId="3000673495" sldId="265"/>
+            <ac:spMk id="3" creationId="{4EB5624C-5536-A28B-24B2-BA1358A6EFBF}"/>
+          </ac:spMkLst>
+        </pc:spChg>
         <pc:picChg chg="mod">
-          <ac:chgData name="K Swathi Reddy" userId="050f34b42c24da5f" providerId="LiveId" clId="{0EEF0464-C730-453D-88EB-B89C461FE0A0}" dt="2025-03-25T07:45:07.668" v="46" actId="14100"/>
+          <ac:chgData name="K Swathi Reddy" userId="050f34b42c24da5f" providerId="LiveId" clId="{0EEF0464-C730-453D-88EB-B89C461FE0A0}" dt="2025-03-25T08:15:36.457" v="167" actId="1076"/>
           <ac:picMkLst>
             <pc:docMk/>
             <pc:sldMk cId="3000673495" sldId="265"/>
             <ac:picMk id="4" creationId="{7EBEED85-8D66-D34B-B13F-82DFDD334177}"/>
+          </ac:picMkLst>
+        </pc:picChg>
+      </pc:sldChg>
+      <pc:sldChg chg="addSp modSp mod">
+        <pc:chgData name="K Swathi Reddy" userId="050f34b42c24da5f" providerId="LiveId" clId="{0EEF0464-C730-453D-88EB-B89C461FE0A0}" dt="2025-03-25T08:16:19.024" v="176" actId="1076"/>
+        <pc:sldMkLst>
+          <pc:docMk/>
+          <pc:sldMk cId="2457681786" sldId="268"/>
+        </pc:sldMkLst>
+        <pc:picChg chg="add mod">
+          <ac:chgData name="K Swathi Reddy" userId="050f34b42c24da5f" providerId="LiveId" clId="{0EEF0464-C730-453D-88EB-B89C461FE0A0}" dt="2025-03-25T08:16:19.024" v="176" actId="1076"/>
+          <ac:picMkLst>
+            <pc:docMk/>
+            <pc:sldMk cId="2457681786" sldId="268"/>
+            <ac:picMk id="4" creationId="{44BF38C9-6C61-C418-0D89-A163413E9783}"/>
+          </ac:picMkLst>
+        </pc:picChg>
+      </pc:sldChg>
+      <pc:sldChg chg="del">
+        <pc:chgData name="K Swathi Reddy" userId="050f34b42c24da5f" providerId="LiveId" clId="{0EEF0464-C730-453D-88EB-B89C461FE0A0}" dt="2025-03-25T08:16:22.572" v="177" actId="47"/>
+        <pc:sldMkLst>
+          <pc:docMk/>
+          <pc:sldMk cId="1469855595" sldId="269"/>
+        </pc:sldMkLst>
+      </pc:sldChg>
+      <pc:sldChg chg="del">
+        <pc:chgData name="K Swathi Reddy" userId="050f34b42c24da5f" providerId="LiveId" clId="{0EEF0464-C730-453D-88EB-B89C461FE0A0}" dt="2025-03-25T08:16:27.134" v="178" actId="47"/>
+        <pc:sldMkLst>
+          <pc:docMk/>
+          <pc:sldMk cId="3612204866" sldId="270"/>
+        </pc:sldMkLst>
+      </pc:sldChg>
+      <pc:sldChg chg="addSp delSp modSp mod">
+        <pc:chgData name="K Swathi Reddy" userId="050f34b42c24da5f" providerId="LiveId" clId="{0EEF0464-C730-453D-88EB-B89C461FE0A0}" dt="2025-03-25T08:17:29.940" v="192"/>
+        <pc:sldMkLst>
+          <pc:docMk/>
+          <pc:sldMk cId="3209482043" sldId="271"/>
+        </pc:sldMkLst>
+        <pc:spChg chg="del mod">
+          <ac:chgData name="K Swathi Reddy" userId="050f34b42c24da5f" providerId="LiveId" clId="{0EEF0464-C730-453D-88EB-B89C461FE0A0}" dt="2025-03-25T08:17:03.753" v="183" actId="478"/>
+          <ac:spMkLst>
+            <pc:docMk/>
+            <pc:sldMk cId="3209482043" sldId="271"/>
+            <ac:spMk id="2" creationId="{F7B323F4-5569-7B22-25AA-AFE6EEF0366E}"/>
+          </ac:spMkLst>
+        </pc:spChg>
+        <pc:spChg chg="del mod">
+          <ac:chgData name="K Swathi Reddy" userId="050f34b42c24da5f" providerId="LiveId" clId="{0EEF0464-C730-453D-88EB-B89C461FE0A0}" dt="2025-03-25T08:17:13.442" v="190"/>
+          <ac:spMkLst>
+            <pc:docMk/>
+            <pc:sldMk cId="3209482043" sldId="271"/>
+            <ac:spMk id="6" creationId="{954ADE2B-E1AE-C0D4-5DFE-BA06D9B266FA}"/>
+          </ac:spMkLst>
+        </pc:spChg>
+        <pc:spChg chg="add mod">
+          <ac:chgData name="K Swathi Reddy" userId="050f34b42c24da5f" providerId="LiveId" clId="{0EEF0464-C730-453D-88EB-B89C461FE0A0}" dt="2025-03-25T08:17:29.940" v="192"/>
+          <ac:spMkLst>
+            <pc:docMk/>
+            <pc:sldMk cId="3209482043" sldId="271"/>
+            <ac:spMk id="7" creationId="{763D8FF3-0AC1-16E7-76F1-7E4B870D86EF}"/>
+          </ac:spMkLst>
+        </pc:spChg>
+        <pc:picChg chg="add del">
+          <ac:chgData name="K Swathi Reddy" userId="050f34b42c24da5f" providerId="LiveId" clId="{0EEF0464-C730-453D-88EB-B89C461FE0A0}" dt="2025-03-25T08:17:13.441" v="188" actId="478"/>
+          <ac:picMkLst>
+            <pc:docMk/>
+            <pc:sldMk cId="3209482043" sldId="271"/>
+            <ac:picMk id="4" creationId="{806D0085-CC8B-0C24-2540-9A86519CE173}"/>
+          </ac:picMkLst>
+        </pc:picChg>
+        <pc:picChg chg="mod">
+          <ac:chgData name="K Swathi Reddy" userId="050f34b42c24da5f" providerId="LiveId" clId="{0EEF0464-C730-453D-88EB-B89C461FE0A0}" dt="2025-03-25T08:17:07.478" v="184" actId="1076"/>
+          <ac:picMkLst>
+            <pc:docMk/>
+            <pc:sldMk cId="3209482043" sldId="271"/>
+            <ac:picMk id="5" creationId="{85C21C7A-05BB-C68B-066B-3AC260C2CCBA}"/>
           </ac:picMkLst>
         </pc:picChg>
       </pc:sldChg>
@@ -3908,7 +4131,7 @@
         </p:nvSpPr>
         <p:spPr>
           <a:xfrm>
-            <a:off x="195286" y="334296"/>
+            <a:off x="325914" y="457384"/>
             <a:ext cx="7994337" cy="5573571"/>
           </a:xfrm>
         </p:spPr>
@@ -3923,6 +4146,12 @@
                 <a:spcPct val="100000"/>
               </a:lnSpc>
             </a:pPr>
+            <a:r>
+              <a:rPr lang="en-IN" sz="5800" dirty="0">
+                <a:latin typeface="Androgyne" panose="05080000000003050000" pitchFamily="82" charset="0"/>
+              </a:rPr>
+              <a:t>        Home Guards Data</a:t>
+            </a:r>
             <a:br>
               <a:rPr lang="en-IN" sz="5800" dirty="0">
                 <a:latin typeface="Androgyne" panose="05080000000003050000" pitchFamily="82" charset="0"/>
@@ -3934,143 +4163,47 @@
               </a:rPr>
             </a:br>
             <a:r>
-              <a:rPr lang="en-US" sz="5800" dirty="0">
+              <a:rPr lang="en-US" sz="1800" dirty="0">
                 <a:latin typeface="Androgyne" panose="05080000000003050000" pitchFamily="82" charset="0"/>
               </a:rPr>
-              <a:t>      </a:t>
-            </a:r>
-            <a:r>
-              <a:rPr lang="en-IN" sz="5800" dirty="0">
+              <a:t>k.</a:t>
+            </a:r>
+            <a:r>
+              <a:rPr lang="en-IN" sz="1800" dirty="0" err="1">
                 <a:latin typeface="Androgyne" panose="05080000000003050000" pitchFamily="82" charset="0"/>
               </a:rPr>
-              <a:t>Home Guards Data</a:t>
+              <a:t>swathi</a:t>
+            </a:r>
+            <a:br>
+              <a:rPr lang="en-IN" sz="1800" dirty="0">
+                <a:latin typeface="Androgyne" panose="05080000000003050000" pitchFamily="82" charset="0"/>
+              </a:rPr>
+            </a:br>
+            <a:r>
+              <a:rPr lang="en-IN" sz="1800" dirty="0">
+                <a:latin typeface="Androgyne" panose="05080000000003050000" pitchFamily="82" charset="0"/>
+              </a:rPr>
+              <a:t>2211cs010318</a:t>
+            </a:r>
+            <a:br>
+              <a:rPr lang="en-IN" sz="1800" dirty="0">
+                <a:latin typeface="Androgyne" panose="05080000000003050000" pitchFamily="82" charset="0"/>
+              </a:rPr>
+            </a:br>
+            <a:r>
+              <a:rPr lang="en-IN" sz="1800" dirty="0">
+                <a:latin typeface="Androgyne" panose="05080000000003050000" pitchFamily="82" charset="0"/>
+              </a:rPr>
+              <a:t>group-4</a:t>
             </a:r>
             <a:br>
               <a:rPr lang="en-IN" dirty="0">
                 <a:latin typeface="Androgyne" panose="05080000000003050000" pitchFamily="82" charset="0"/>
               </a:rPr>
             </a:br>
-            <a:br>
-              <a:rPr lang="en-IN" dirty="0">
-                <a:latin typeface="Androgyne" panose="05080000000003050000" pitchFamily="82" charset="0"/>
-              </a:rPr>
-            </a:br>
-            <a:r>
-              <a:rPr lang="en-IN" sz="2000" dirty="0">
-                <a:latin typeface="Androgyne" panose="05080000000003050000" pitchFamily="82" charset="0"/>
-              </a:rPr>
-              <a:t>Source: https://www.data.gov.in/</a:t>
-            </a:r>
-            <a:br>
-              <a:rPr lang="en-IN" sz="2000" dirty="0">
-                <a:latin typeface="Androgyne" panose="05080000000003050000" pitchFamily="82" charset="0"/>
-              </a:rPr>
-            </a:br>
-            <a:r>
-              <a:rPr lang="en-IN" sz="2000" dirty="0">
-                <a:latin typeface="Androgyne" panose="05080000000003050000" pitchFamily="82" charset="0"/>
-              </a:rPr>
-              <a:t>Dataset: Home guards </a:t>
-            </a:r>
-            <a:r>
-              <a:rPr lang="en-IN" sz="2000" dirty="0" err="1">
-                <a:latin typeface="Androgyne" panose="05080000000003050000" pitchFamily="82" charset="0"/>
-              </a:rPr>
-              <a:t>acutal</a:t>
-            </a:r>
-            <a:r>
-              <a:rPr lang="en-IN" sz="2000" dirty="0">
-                <a:latin typeface="Androgyne" panose="05080000000003050000" pitchFamily="82" charset="0"/>
-              </a:rPr>
-              <a:t> strength for moths in 2025</a:t>
-            </a:r>
-            <a:br>
-              <a:rPr lang="en-IN" sz="2000" dirty="0">
-                <a:latin typeface="Androgyne" panose="05080000000003050000" pitchFamily="82" charset="0"/>
-              </a:rPr>
-            </a:br>
-            <a:r>
-              <a:rPr lang="en-US" sz="2000" i="0" dirty="0">
-                <a:effectLst/>
-                <a:latin typeface="Androgyne" panose="05080000000003050000" pitchFamily="82" charset="0"/>
-              </a:rPr>
-              <a:t>Email: </a:t>
-            </a:r>
-            <a:r>
-              <a:rPr lang="en-US" sz="2000" dirty="0">
-                <a:latin typeface="Androgyne" panose="05080000000003050000" pitchFamily="82" charset="0"/>
-              </a:rPr>
-              <a:t>kswathireddy1611@gmail.com</a:t>
-            </a:r>
-            <a:br>
-              <a:rPr lang="en-US" sz="2000" dirty="0">
-                <a:latin typeface="Androgyne" panose="05080000000003050000" pitchFamily="82" charset="0"/>
-              </a:rPr>
-            </a:br>
-            <a:r>
-              <a:rPr lang="en-US" sz="2000" dirty="0">
-                <a:latin typeface="Androgyne" panose="05080000000003050000" pitchFamily="82" charset="0"/>
-              </a:rPr>
-              <a:t>Phone :7386202188</a:t>
-            </a:r>
-            <a:br>
-              <a:rPr lang="en-US" sz="2000" dirty="0">
-                <a:latin typeface="Androgyne" panose="05080000000003050000" pitchFamily="82" charset="0"/>
-              </a:rPr>
-            </a:br>
-            <a:r>
-              <a:rPr lang="en-US" sz="2000" dirty="0">
-                <a:latin typeface="Androgyne" panose="05080000000003050000" pitchFamily="82" charset="0"/>
-              </a:rPr>
-              <a:t>LinkedIn : </a:t>
-            </a:r>
-            <a:r>
-              <a:rPr lang="en-IN" sz="1800" b="0" i="0" dirty="0">
-                <a:effectLst/>
-                <a:latin typeface="-apple-system"/>
-              </a:rPr>
-              <a:t>www.linkedin.com/in/swathi-reddy-594125358</a:t>
-            </a:r>
             <a:endParaRPr sz="1800" dirty="0">
               <a:latin typeface="Androgyne" panose="05080000000003050000" pitchFamily="82" charset="0"/>
             </a:endParaRPr>
-          </a:p>
-        </p:txBody>
-      </p:sp>
-      <p:sp>
-        <p:nvSpPr>
-          <p:cNvPr id="6" name="TextBox 5">
-            <a:extLst>
-              <a:ext uri="{FF2B5EF4-FFF2-40B4-BE49-F238E27FC236}">
-                <a16:creationId xmlns:a16="http://schemas.microsoft.com/office/drawing/2014/main" id="{FB237B6E-36DE-DF96-009A-F1CC4371326C}"/>
-              </a:ext>
-            </a:extLst>
-          </p:cNvPr>
-          <p:cNvSpPr txBox="1"/>
-          <p:nvPr/>
-        </p:nvSpPr>
-        <p:spPr>
-          <a:xfrm>
-            <a:off x="6459794" y="6475497"/>
-            <a:ext cx="3785419" cy="369332"/>
-          </a:xfrm>
-          <a:prstGeom prst="rect">
-            <a:avLst/>
-          </a:prstGeom>
-          <a:noFill/>
-        </p:spPr>
-        <p:txBody>
-          <a:bodyPr wrap="square" rtlCol="0">
-            <a:spAutoFit/>
-          </a:bodyPr>
-          <a:lstStyle/>
-          <a:p>
-            <a:r>
-              <a:rPr lang="en-IN" dirty="0">
-                <a:latin typeface="Androgyne" panose="05080000000003050000" pitchFamily="82" charset="0"/>
-              </a:rPr>
-              <a:t>Bharadwaj Kollepara</a:t>
-            </a:r>
           </a:p>
         </p:txBody>
       </p:sp>
@@ -4114,113 +4247,6 @@
           </a:p>
         </p:txBody>
       </p:sp>
-      <p:pic>
-        <p:nvPicPr>
-          <p:cNvPr id="2050" name="Picture 2" descr="Linkedin icons for free download | Freepik">
-            <a:extLst>
-              <a:ext uri="{FF2B5EF4-FFF2-40B4-BE49-F238E27FC236}">
-                <a16:creationId xmlns:a16="http://schemas.microsoft.com/office/drawing/2014/main" id="{1044F920-CD54-DBAF-79AC-B3D522BC8DBD}"/>
-              </a:ext>
-            </a:extLst>
-          </p:cNvPr>
-          <p:cNvPicPr>
-            <a:picLocks noChangeAspect="1" noChangeArrowheads="1"/>
-          </p:cNvPicPr>
-          <p:nvPr/>
-        </p:nvPicPr>
-        <p:blipFill>
-          <a:blip r:embed="rId2">
-            <a:extLst>
-              <a:ext uri="{28A0092B-C50C-407E-A947-70E740481C1C}">
-                <a14:useLocalDpi xmlns:a14="http://schemas.microsoft.com/office/drawing/2010/main" val="0"/>
-              </a:ext>
-            </a:extLst>
-          </a:blip>
-          <a:srcRect/>
-          <a:stretch>
-            <a:fillRect/>
-          </a:stretch>
-        </p:blipFill>
-        <p:spPr bwMode="auto">
-          <a:xfrm>
-            <a:off x="629123" y="5889875"/>
-            <a:ext cx="153165" cy="144156"/>
-          </a:xfrm>
-          <a:prstGeom prst="rect">
-            <a:avLst/>
-          </a:prstGeom>
-          <a:noFill/>
-          <a:extLst>
-            <a:ext uri="{909E8E84-426E-40DD-AFC4-6F175D3DCCD1}">
-              <a14:hiddenFill xmlns:a14="http://schemas.microsoft.com/office/drawing/2010/main">
-                <a:solidFill>
-                  <a:srgbClr val="FFFFFF"/>
-                </a:solidFill>
-              </a14:hiddenFill>
-            </a:ext>
-          </a:extLst>
-        </p:spPr>
-      </p:pic>
-      <p:pic>
-        <p:nvPicPr>
-          <p:cNvPr id="8" name="Picture 7">
-            <a:extLst>
-              <a:ext uri="{FF2B5EF4-FFF2-40B4-BE49-F238E27FC236}">
-                <a16:creationId xmlns:a16="http://schemas.microsoft.com/office/drawing/2014/main" id="{5F6C179C-5EA5-894E-26BA-73D917CBEFE2}"/>
-              </a:ext>
-            </a:extLst>
-          </p:cNvPr>
-          <p:cNvPicPr>
-            <a:picLocks noChangeAspect="1"/>
-          </p:cNvPicPr>
-          <p:nvPr/>
-        </p:nvPicPr>
-        <p:blipFill>
-          <a:blip r:embed="rId3"/>
-          <a:stretch>
-            <a:fillRect/>
-          </a:stretch>
-        </p:blipFill>
-        <p:spPr>
-          <a:xfrm>
-            <a:off x="605747" y="5308296"/>
-            <a:ext cx="199921" cy="107353"/>
-          </a:xfrm>
-          <a:prstGeom prst="rect">
-            <a:avLst/>
-          </a:prstGeom>
-        </p:spPr>
-      </p:pic>
-      <p:pic>
-        <p:nvPicPr>
-          <p:cNvPr id="10" name="Picture 9">
-            <a:extLst>
-              <a:ext uri="{FF2B5EF4-FFF2-40B4-BE49-F238E27FC236}">
-                <a16:creationId xmlns:a16="http://schemas.microsoft.com/office/drawing/2014/main" id="{1C23C557-4C9C-D4E3-2816-46D3B8FAD83C}"/>
-              </a:ext>
-            </a:extLst>
-          </p:cNvPr>
-          <p:cNvPicPr>
-            <a:picLocks noChangeAspect="1"/>
-          </p:cNvPicPr>
-          <p:nvPr/>
-        </p:nvPicPr>
-        <p:blipFill>
-          <a:blip r:embed="rId4"/>
-          <a:stretch>
-            <a:fillRect/>
-          </a:stretch>
-        </p:blipFill>
-        <p:spPr>
-          <a:xfrm>
-            <a:off x="579422" y="5530975"/>
-            <a:ext cx="252565" cy="243574"/>
-          </a:xfrm>
-          <a:prstGeom prst="rect">
-            <a:avLst/>
-          </a:prstGeom>
-        </p:spPr>
-      </p:pic>
       <p:sp>
         <p:nvSpPr>
           <p:cNvPr id="14" name="Rectangle 6">
@@ -4306,330 +4332,6 @@
         <p:cNvPr id="1" name="">
           <a:extLst>
             <a:ext uri="{FF2B5EF4-FFF2-40B4-BE49-F238E27FC236}">
-              <a16:creationId xmlns:a16="http://schemas.microsoft.com/office/drawing/2014/main" id="{8453970D-926A-6B72-DE2C-5BEC463EDA61}"/>
-            </a:ext>
-          </a:extLst>
-        </p:cNvPr>
-        <p:cNvGrpSpPr/>
-        <p:nvPr/>
-      </p:nvGrpSpPr>
-      <p:grpSpPr>
-        <a:xfrm>
-          <a:off x="0" y="0"/>
-          <a:ext cx="0" cy="0"/>
-          <a:chOff x="0" y="0"/>
-          <a:chExt cx="0" cy="0"/>
-        </a:xfrm>
-      </p:grpSpPr>
-      <p:sp>
-        <p:nvSpPr>
-          <p:cNvPr id="2" name="Title 1">
-            <a:extLst>
-              <a:ext uri="{FF2B5EF4-FFF2-40B4-BE49-F238E27FC236}">
-                <a16:creationId xmlns:a16="http://schemas.microsoft.com/office/drawing/2014/main" id="{0640B7A3-8160-4211-029F-0D0DB69B3DBD}"/>
-              </a:ext>
-            </a:extLst>
-          </p:cNvPr>
-          <p:cNvSpPr>
-            <a:spLocks noGrp="1"/>
-          </p:cNvSpPr>
-          <p:nvPr>
-            <p:ph type="title"/>
-          </p:nvPr>
-        </p:nvSpPr>
-        <p:spPr/>
-        <p:txBody>
-          <a:bodyPr>
-            <a:normAutofit/>
-          </a:bodyPr>
-          <a:lstStyle/>
-          <a:p>
-            <a:endParaRPr dirty="0">
-              <a:latin typeface="Androgyne" panose="05080000000003050000" pitchFamily="82" charset="0"/>
-            </a:endParaRPr>
-          </a:p>
-        </p:txBody>
-      </p:sp>
-      <p:pic>
-        <p:nvPicPr>
-          <p:cNvPr id="5" name="Picture 4">
-            <a:extLst>
-              <a:ext uri="{FF2B5EF4-FFF2-40B4-BE49-F238E27FC236}">
-                <a16:creationId xmlns:a16="http://schemas.microsoft.com/office/drawing/2014/main" id="{52C5E389-DEB1-4023-B30F-B405432D70E6}"/>
-              </a:ext>
-            </a:extLst>
-          </p:cNvPr>
-          <p:cNvPicPr>
-            <a:picLocks noChangeAspect="1"/>
-          </p:cNvPicPr>
-          <p:nvPr/>
-        </p:nvPicPr>
-        <p:blipFill>
-          <a:blip r:embed="rId2"/>
-          <a:stretch>
-            <a:fillRect/>
-          </a:stretch>
-        </p:blipFill>
-        <p:spPr>
-          <a:xfrm>
-            <a:off x="75572" y="37626"/>
-            <a:ext cx="8992855" cy="6782747"/>
-          </a:xfrm>
-          <a:prstGeom prst="rect">
-            <a:avLst/>
-          </a:prstGeom>
-        </p:spPr>
-      </p:pic>
-    </p:spTree>
-    <p:extLst>
-      <p:ext uri="{BB962C8B-B14F-4D97-AF65-F5344CB8AC3E}">
-        <p14:creationId xmlns:p14="http://schemas.microsoft.com/office/powerpoint/2010/main" val="1469855595"/>
-      </p:ext>
-    </p:extLst>
-  </p:cSld>
-  <p:clrMapOvr>
-    <a:masterClrMapping/>
-  </p:clrMapOvr>
-</p:sld>
-</file>
-
-<file path=ppt/slides/slide11.xml><?xml version="1.0" encoding="utf-8"?>
-<p:sld xmlns:a="http://schemas.openxmlformats.org/drawingml/2006/main" xmlns:r="http://schemas.openxmlformats.org/officeDocument/2006/relationships" xmlns:p="http://schemas.openxmlformats.org/presentationml/2006/main">
-  <p:cSld>
-    <p:spTree>
-      <p:nvGrpSpPr>
-        <p:cNvPr id="1" name="">
-          <a:extLst>
-            <a:ext uri="{FF2B5EF4-FFF2-40B4-BE49-F238E27FC236}">
-              <a16:creationId xmlns:a16="http://schemas.microsoft.com/office/drawing/2014/main" id="{3E98AC8B-D184-0EF6-4C40-929B074C700C}"/>
-            </a:ext>
-          </a:extLst>
-        </p:cNvPr>
-        <p:cNvGrpSpPr/>
-        <p:nvPr/>
-      </p:nvGrpSpPr>
-      <p:grpSpPr>
-        <a:xfrm>
-          <a:off x="0" y="0"/>
-          <a:ext cx="0" cy="0"/>
-          <a:chOff x="0" y="0"/>
-          <a:chExt cx="0" cy="0"/>
-        </a:xfrm>
-      </p:grpSpPr>
-      <p:sp>
-        <p:nvSpPr>
-          <p:cNvPr id="2" name="Title 1">
-            <a:extLst>
-              <a:ext uri="{FF2B5EF4-FFF2-40B4-BE49-F238E27FC236}">
-                <a16:creationId xmlns:a16="http://schemas.microsoft.com/office/drawing/2014/main" id="{90644F2C-515D-D2CE-A431-729555AD694F}"/>
-              </a:ext>
-            </a:extLst>
-          </p:cNvPr>
-          <p:cNvSpPr>
-            <a:spLocks noGrp="1"/>
-          </p:cNvSpPr>
-          <p:nvPr>
-            <p:ph type="title"/>
-          </p:nvPr>
-        </p:nvSpPr>
-        <p:spPr/>
-        <p:txBody>
-          <a:bodyPr>
-            <a:normAutofit/>
-          </a:bodyPr>
-          <a:lstStyle/>
-          <a:p>
-            <a:r>
-              <a:rPr lang="en-IN" dirty="0">
-                <a:latin typeface="Androgyne" panose="05080000000003050000" pitchFamily="82" charset="0"/>
-              </a:rPr>
-              <a:t>Market Distribution</a:t>
-            </a:r>
-            <a:endParaRPr dirty="0">
-              <a:latin typeface="Androgyne" panose="05080000000003050000" pitchFamily="82" charset="0"/>
-            </a:endParaRPr>
-          </a:p>
-        </p:txBody>
-      </p:sp>
-      <p:sp>
-        <p:nvSpPr>
-          <p:cNvPr id="7" name="Rectangle 1">
-            <a:extLst>
-              <a:ext uri="{FF2B5EF4-FFF2-40B4-BE49-F238E27FC236}">
-                <a16:creationId xmlns:a16="http://schemas.microsoft.com/office/drawing/2014/main" id="{DF189746-5CF6-33D3-68DE-BBB0AAAF8300}"/>
-              </a:ext>
-            </a:extLst>
-          </p:cNvPr>
-          <p:cNvSpPr>
-            <a:spLocks noChangeArrowheads="1"/>
-          </p:cNvSpPr>
-          <p:nvPr/>
-        </p:nvSpPr>
-        <p:spPr bwMode="auto">
-          <a:xfrm>
-            <a:off x="822960" y="5466782"/>
-            <a:ext cx="7702686" cy="646331"/>
-          </a:xfrm>
-          <a:prstGeom prst="rect">
-            <a:avLst/>
-          </a:prstGeom>
-          <a:noFill/>
-          <a:ln>
-            <a:noFill/>
-          </a:ln>
-          <a:effectLst/>
-          <a:extLst>
-            <a:ext uri="{909E8E84-426E-40DD-AFC4-6F175D3DCCD1}">
-              <a14:hiddenFill xmlns:a14="http://schemas.microsoft.com/office/drawing/2010/main">
-                <a:solidFill>
-                  <a:schemeClr val="accent1"/>
-                </a:solidFill>
-              </a14:hiddenFill>
-            </a:ext>
-            <a:ext uri="{91240B29-F687-4F45-9708-019B960494DF}">
-              <a14:hiddenLine xmlns:a14="http://schemas.microsoft.com/office/drawing/2010/main" w="9525">
-                <a:solidFill>
-                  <a:schemeClr val="tx1"/>
-                </a:solidFill>
-                <a:miter lim="800000"/>
-                <a:headEnd/>
-                <a:tailEnd/>
-              </a14:hiddenLine>
-            </a:ext>
-            <a:ext uri="{AF507438-7753-43E0-B8FC-AC1667EBCBE1}">
-              <a14:hiddenEffects xmlns:a14="http://schemas.microsoft.com/office/drawing/2010/main">
-                <a:effectLst>
-                  <a:outerShdw dist="35921" dir="2700000" algn="ctr" rotWithShape="0">
-                    <a:schemeClr val="bg2"/>
-                  </a:outerShdw>
-                </a:effectLst>
-              </a14:hiddenEffects>
-            </a:ext>
-          </a:extLst>
-        </p:spPr>
-        <p:txBody>
-          <a:bodyPr vert="horz" wrap="none" lIns="91440" tIns="45720" rIns="91440" bIns="45720" numCol="1" anchor="ctr" anchorCtr="0" compatLnSpc="1">
-            <a:prstTxWarp prst="textNoShape">
-              <a:avLst/>
-            </a:prstTxWarp>
-            <a:spAutoFit/>
-          </a:bodyPr>
-          <a:lstStyle/>
-          <a:p>
-            <a:pPr marL="0" marR="0" lvl="0" indent="0" algn="l" defTabSz="914400" rtl="0" eaLnBrk="0" fontAlgn="base" latinLnBrk="0" hangingPunct="0">
-              <a:lnSpc>
-                <a:spcPct val="100000"/>
-              </a:lnSpc>
-              <a:spcBef>
-                <a:spcPct val="0"/>
-              </a:spcBef>
-              <a:spcAft>
-                <a:spcPct val="0"/>
-              </a:spcAft>
-              <a:buClrTx/>
-              <a:buSzTx/>
-              <a:buFontTx/>
-              <a:buChar char="•"/>
-              <a:tabLst/>
-            </a:pPr>
-            <a:r>
-              <a:rPr kumimoji="0" lang="en-US" altLang="en-US" sz="1800" b="0" i="0" u="none" strike="noStrike" cap="none" normalizeH="0" baseline="0" dirty="0">
-                <a:ln>
-                  <a:noFill/>
-                </a:ln>
-                <a:solidFill>
-                  <a:schemeClr val="tx1"/>
-                </a:solidFill>
-                <a:effectLst/>
-                <a:latin typeface="Androgyne" panose="05080000000003050000" pitchFamily="82" charset="0"/>
-              </a:rPr>
-              <a:t>This pie chart displays the top 10 most frequent markets in the dataset.</a:t>
-            </a:r>
-          </a:p>
-          <a:p>
-            <a:pPr marL="0" marR="0" lvl="0" indent="0" algn="l" defTabSz="914400" rtl="0" eaLnBrk="0" fontAlgn="base" latinLnBrk="0" hangingPunct="0">
-              <a:lnSpc>
-                <a:spcPct val="100000"/>
-              </a:lnSpc>
-              <a:spcBef>
-                <a:spcPct val="0"/>
-              </a:spcBef>
-              <a:spcAft>
-                <a:spcPct val="0"/>
-              </a:spcAft>
-              <a:buClrTx/>
-              <a:buSzTx/>
-              <a:buFontTx/>
-              <a:buChar char="•"/>
-              <a:tabLst/>
-            </a:pPr>
-            <a:r>
-              <a:rPr kumimoji="0" lang="en-US" altLang="en-US" sz="1800" b="0" i="0" u="none" strike="noStrike" cap="none" normalizeH="0" baseline="0" dirty="0">
-                <a:ln>
-                  <a:noFill/>
-                </a:ln>
-                <a:solidFill>
-                  <a:schemeClr val="tx1"/>
-                </a:solidFill>
-                <a:effectLst/>
-                <a:latin typeface="Androgyne" panose="05080000000003050000" pitchFamily="82" charset="0"/>
-              </a:rPr>
-              <a:t>It shows the market distribution share.</a:t>
-            </a:r>
-          </a:p>
-        </p:txBody>
-      </p:sp>
-      <p:pic>
-        <p:nvPicPr>
-          <p:cNvPr id="4" name="Picture 3">
-            <a:extLst>
-              <a:ext uri="{FF2B5EF4-FFF2-40B4-BE49-F238E27FC236}">
-                <a16:creationId xmlns:a16="http://schemas.microsoft.com/office/drawing/2014/main" id="{0EF8CDD6-9D2B-5967-9949-1D7EEEA3C99A}"/>
-              </a:ext>
-            </a:extLst>
-          </p:cNvPr>
-          <p:cNvPicPr>
-            <a:picLocks noChangeAspect="1"/>
-          </p:cNvPicPr>
-          <p:nvPr/>
-        </p:nvPicPr>
-        <p:blipFill>
-          <a:blip r:embed="rId2"/>
-          <a:stretch>
-            <a:fillRect/>
-          </a:stretch>
-        </p:blipFill>
-        <p:spPr>
-          <a:xfrm>
-            <a:off x="0" y="529461"/>
-            <a:ext cx="9144000" cy="5799078"/>
-          </a:xfrm>
-          <a:prstGeom prst="rect">
-            <a:avLst/>
-          </a:prstGeom>
-        </p:spPr>
-      </p:pic>
-    </p:spTree>
-    <p:extLst>
-      <p:ext uri="{BB962C8B-B14F-4D97-AF65-F5344CB8AC3E}">
-        <p14:creationId xmlns:p14="http://schemas.microsoft.com/office/powerpoint/2010/main" val="3612204866"/>
-      </p:ext>
-    </p:extLst>
-  </p:cSld>
-  <p:clrMapOvr>
-    <a:masterClrMapping/>
-  </p:clrMapOvr>
-</p:sld>
-</file>
-
-<file path=ppt/slides/slide12.xml><?xml version="1.0" encoding="utf-8"?>
-<p:sld xmlns:a="http://schemas.openxmlformats.org/drawingml/2006/main" xmlns:r="http://schemas.openxmlformats.org/officeDocument/2006/relationships" xmlns:p="http://schemas.openxmlformats.org/presentationml/2006/main">
-  <p:cSld>
-    <p:spTree>
-      <p:nvGrpSpPr>
-        <p:cNvPr id="1" name="">
-          <a:extLst>
-            <a:ext uri="{FF2B5EF4-FFF2-40B4-BE49-F238E27FC236}">
               <a16:creationId xmlns:a16="http://schemas.microsoft.com/office/drawing/2014/main" id="{8122743F-5822-B19F-3565-08E401C874E9}"/>
             </a:ext>
           </a:extLst>
@@ -4645,126 +4347,6 @@
           <a:chExt cx="0" cy="0"/>
         </a:xfrm>
       </p:grpSpPr>
-      <p:sp>
-        <p:nvSpPr>
-          <p:cNvPr id="2" name="Title 1">
-            <a:extLst>
-              <a:ext uri="{FF2B5EF4-FFF2-40B4-BE49-F238E27FC236}">
-                <a16:creationId xmlns:a16="http://schemas.microsoft.com/office/drawing/2014/main" id="{F7B323F4-5569-7B22-25AA-AFE6EEF0366E}"/>
-              </a:ext>
-            </a:extLst>
-          </p:cNvPr>
-          <p:cNvSpPr>
-            <a:spLocks noGrp="1"/>
-          </p:cNvSpPr>
-          <p:nvPr>
-            <p:ph type="title"/>
-          </p:nvPr>
-        </p:nvSpPr>
-        <p:spPr/>
-        <p:txBody>
-          <a:bodyPr>
-            <a:normAutofit/>
-          </a:bodyPr>
-          <a:lstStyle/>
-          <a:p>
-            <a:endParaRPr dirty="0">
-              <a:latin typeface="Androgyne" panose="05080000000003050000" pitchFamily="82" charset="0"/>
-            </a:endParaRPr>
-          </a:p>
-        </p:txBody>
-      </p:sp>
-      <p:sp>
-        <p:nvSpPr>
-          <p:cNvPr id="6" name="TextBox 5">
-            <a:extLst>
-              <a:ext uri="{FF2B5EF4-FFF2-40B4-BE49-F238E27FC236}">
-                <a16:creationId xmlns:a16="http://schemas.microsoft.com/office/drawing/2014/main" id="{954ADE2B-E1AE-C0D4-5DFE-BA06D9B266FA}"/>
-              </a:ext>
-            </a:extLst>
-          </p:cNvPr>
-          <p:cNvSpPr txBox="1"/>
-          <p:nvPr/>
-        </p:nvSpPr>
-        <p:spPr>
-          <a:xfrm>
-            <a:off x="742334" y="5383182"/>
-            <a:ext cx="7929225" cy="646331"/>
-          </a:xfrm>
-          <a:prstGeom prst="rect">
-            <a:avLst/>
-          </a:prstGeom>
-          <a:noFill/>
-        </p:spPr>
-        <p:txBody>
-          <a:bodyPr wrap="square">
-            <a:spAutoFit/>
-          </a:bodyPr>
-          <a:lstStyle/>
-          <a:p>
-            <a:pPr marL="0" marR="0" lvl="0" indent="0" algn="l" defTabSz="914400" rtl="0" eaLnBrk="0" fontAlgn="base" latinLnBrk="0" hangingPunct="0">
-              <a:lnSpc>
-                <a:spcPct val="100000"/>
-              </a:lnSpc>
-              <a:spcBef>
-                <a:spcPct val="0"/>
-              </a:spcBef>
-              <a:spcAft>
-                <a:spcPct val="0"/>
-              </a:spcAft>
-              <a:buClrTx/>
-              <a:buSzTx/>
-              <a:buFontTx/>
-              <a:buChar char="•"/>
-              <a:tabLst/>
-            </a:pPr>
-            <a:r>
-              <a:rPr kumimoji="0" lang="en-US" altLang="en-US" sz="1800" b="0" i="0" u="none" strike="noStrike" cap="none" normalizeH="0" baseline="0" dirty="0">
-                <a:ln>
-                  <a:noFill/>
-                </a:ln>
-                <a:solidFill>
-                  <a:schemeClr val="tx1"/>
-                </a:solidFill>
-                <a:effectLst/>
-                <a:latin typeface="Androgyne" panose="05080000000003050000" pitchFamily="82" charset="0"/>
-              </a:rPr>
-              <a:t>This bar plot shows the frequency of onion arrivals by month.</a:t>
-            </a:r>
-          </a:p>
-          <a:p>
-            <a:pPr marL="0" marR="0" lvl="0" indent="0" algn="l" defTabSz="914400" rtl="0" eaLnBrk="0" fontAlgn="base" latinLnBrk="0" hangingPunct="0">
-              <a:lnSpc>
-                <a:spcPct val="100000"/>
-              </a:lnSpc>
-              <a:spcBef>
-                <a:spcPct val="0"/>
-              </a:spcBef>
-              <a:spcAft>
-                <a:spcPct val="0"/>
-              </a:spcAft>
-              <a:buClrTx/>
-              <a:buSzTx/>
-              <a:buFontTx/>
-              <a:buChar char="•"/>
-              <a:tabLst/>
-            </a:pPr>
-            <a:r>
-              <a:rPr kumimoji="0" lang="en-US" altLang="en-US" sz="1800" b="0" i="0" u="none" strike="noStrike" cap="none" normalizeH="0" baseline="0" dirty="0">
-                <a:ln>
-                  <a:noFill/>
-                </a:ln>
-                <a:solidFill>
-                  <a:schemeClr val="tx1"/>
-                </a:solidFill>
-                <a:effectLst/>
-                <a:latin typeface="Androgyne" panose="05080000000003050000" pitchFamily="82" charset="0"/>
-              </a:rPr>
-              <a:t>It helps identify which months have the most arrivals.</a:t>
-            </a:r>
-          </a:p>
-        </p:txBody>
-      </p:sp>
       <p:pic>
         <p:nvPicPr>
           <p:cNvPr id="5" name="Picture 4">
@@ -4787,14 +4369,52 @@
         </p:blipFill>
         <p:spPr>
           <a:xfrm>
-            <a:off x="0" y="305186"/>
-            <a:ext cx="9144000" cy="6247627"/>
+            <a:off x="609600" y="0"/>
+            <a:ext cx="7434943" cy="5079916"/>
           </a:xfrm>
           <a:prstGeom prst="rect">
             <a:avLst/>
           </a:prstGeom>
         </p:spPr>
       </p:pic>
+      <p:sp>
+        <p:nvSpPr>
+          <p:cNvPr id="7" name="TextBox 6">
+            <a:extLst>
+              <a:ext uri="{FF2B5EF4-FFF2-40B4-BE49-F238E27FC236}">
+                <a16:creationId xmlns:a16="http://schemas.microsoft.com/office/drawing/2014/main" id="{763D8FF3-0AC1-16E7-76F1-7E4B870D86EF}"/>
+              </a:ext>
+            </a:extLst>
+          </p:cNvPr>
+          <p:cNvSpPr txBox="1"/>
+          <p:nvPr/>
+        </p:nvSpPr>
+        <p:spPr>
+          <a:xfrm>
+            <a:off x="827314" y="5079916"/>
+            <a:ext cx="7434943" cy="1477328"/>
+          </a:xfrm>
+          <a:prstGeom prst="rect">
+            <a:avLst/>
+          </a:prstGeom>
+          <a:noFill/>
+        </p:spPr>
+        <p:txBody>
+          <a:bodyPr wrap="square" rtlCol="0">
+            <a:spAutoFit/>
+          </a:bodyPr>
+          <a:lstStyle/>
+          <a:p>
+            <a:r>
+              <a:rPr lang="en-US" dirty="0"/>
+              <a:t>The image is a box plot titled "Comparison of Allotted and Actual Strength," comparing the distribution of allotted and actual home guard strengths across districts. The x-axis has two categories: "Allotted Strength" and "Actual Strength," while the y-axis represents the strength, ranging from 200 to 1800.</a:t>
+            </a:r>
+          </a:p>
+          <a:p>
+            <a:endParaRPr lang="en-IN" dirty="0"/>
+          </a:p>
+        </p:txBody>
+      </p:sp>
     </p:spTree>
     <p:extLst>
       <p:ext uri="{BB962C8B-B14F-4D97-AF65-F5344CB8AC3E}">
@@ -4808,7 +4428,7 @@
 </p:sld>
 </file>
 
-<file path=ppt/slides/slide13.xml><?xml version="1.0" encoding="utf-8"?>
+<file path=ppt/slides/slide11.xml><?xml version="1.0" encoding="utf-8"?>
 <p:sld xmlns:a="http://schemas.openxmlformats.org/drawingml/2006/main" xmlns:r="http://schemas.openxmlformats.org/officeDocument/2006/relationships" xmlns:p="http://schemas.openxmlformats.org/presentationml/2006/main">
   <p:cSld>
     <p:spTree>
@@ -4941,6 +4561,36 @@
           </a:p>
         </p:txBody>
       </p:sp>
+      <p:pic>
+        <p:nvPicPr>
+          <p:cNvPr id="4" name="Picture 3">
+            <a:extLst>
+              <a:ext uri="{FF2B5EF4-FFF2-40B4-BE49-F238E27FC236}">
+                <a16:creationId xmlns:a16="http://schemas.microsoft.com/office/drawing/2014/main" id="{44BF38C9-6C61-C418-0D89-A163413E9783}"/>
+              </a:ext>
+            </a:extLst>
+          </p:cNvPr>
+          <p:cNvPicPr>
+            <a:picLocks noChangeAspect="1"/>
+          </p:cNvPicPr>
+          <p:nvPr/>
+        </p:nvPicPr>
+        <p:blipFill>
+          <a:blip r:embed="rId2"/>
+          <a:stretch>
+            <a:fillRect/>
+          </a:stretch>
+        </p:blipFill>
+        <p:spPr>
+          <a:xfrm>
+            <a:off x="3885572" y="3140057"/>
+            <a:ext cx="4020146" cy="3032144"/>
+          </a:xfrm>
+          <a:prstGeom prst="rect">
+            <a:avLst/>
+          </a:prstGeom>
+        </p:spPr>
+      </p:pic>
     </p:spTree>
     <p:extLst>
       <p:ext uri="{BB962C8B-B14F-4D97-AF65-F5344CB8AC3E}">
@@ -4954,7 +4604,7 @@
 </p:sld>
 </file>
 
-<file path=ppt/slides/slide14.xml><?xml version="1.0" encoding="utf-8"?>
+<file path=ppt/slides/slide12.xml><?xml version="1.0" encoding="utf-8"?>
 <p:sld xmlns:a="http://schemas.openxmlformats.org/drawingml/2006/main" xmlns:r="http://schemas.openxmlformats.org/officeDocument/2006/relationships" xmlns:p="http://schemas.openxmlformats.org/presentationml/2006/main">
   <p:cSld>
     <p:spTree>
@@ -5558,14 +5208,52 @@
         </p:blipFill>
         <p:spPr>
           <a:xfrm>
-            <a:off x="170836" y="1737361"/>
-            <a:ext cx="8802328" cy="3383279"/>
+            <a:off x="170836" y="1737362"/>
+            <a:ext cx="8624821" cy="3315052"/>
           </a:xfrm>
           <a:prstGeom prst="rect">
             <a:avLst/>
           </a:prstGeom>
         </p:spPr>
       </p:pic>
+      <p:sp>
+        <p:nvSpPr>
+          <p:cNvPr id="3" name="TextBox 2">
+            <a:extLst>
+              <a:ext uri="{FF2B5EF4-FFF2-40B4-BE49-F238E27FC236}">
+                <a16:creationId xmlns:a16="http://schemas.microsoft.com/office/drawing/2014/main" id="{8CB487E2-A6DF-53E9-072F-3712ACD765C2}"/>
+              </a:ext>
+            </a:extLst>
+          </p:cNvPr>
+          <p:cNvSpPr txBox="1"/>
+          <p:nvPr/>
+        </p:nvSpPr>
+        <p:spPr>
+          <a:xfrm>
+            <a:off x="968829" y="5052414"/>
+            <a:ext cx="7075714" cy="1200329"/>
+          </a:xfrm>
+          <a:prstGeom prst="rect">
+            <a:avLst/>
+          </a:prstGeom>
+          <a:noFill/>
+        </p:spPr>
+        <p:txBody>
+          <a:bodyPr wrap="square" rtlCol="0">
+            <a:spAutoFit/>
+          </a:bodyPr>
+          <a:lstStyle/>
+          <a:p>
+            <a:r>
+              <a:rPr lang="en-US" dirty="0"/>
+              <a:t>Across almost all districts, the actual strength of home guards is consistently lower than the allotted strength, suggesting a widespread shortage of home guards compared to the planned or required numbers.</a:t>
+            </a:r>
+          </a:p>
+          <a:p>
+            <a:endParaRPr lang="en-IN" dirty="0"/>
+          </a:p>
+        </p:txBody>
+      </p:sp>
     </p:spTree>
   </p:cSld>
   <p:clrMapOvr>
@@ -5634,8 +5322,8 @@
         </p:nvSpPr>
         <p:spPr>
           <a:xfrm>
-            <a:off x="653846" y="5668962"/>
-            <a:ext cx="7910052" cy="646331"/>
+            <a:off x="653845" y="5425825"/>
+            <a:ext cx="8239783" cy="1200329"/>
           </a:xfrm>
           <a:prstGeom prst="rect">
             <a:avLst/>
@@ -5648,16 +5336,15 @@
           </a:bodyPr>
           <a:lstStyle/>
           <a:p>
-            <a:pPr marL="285750" indent="-285750">
-              <a:buFont typeface="Arial" panose="020B0604020202020204" pitchFamily="34" charset="0"/>
-              <a:buChar char="•"/>
-            </a:pPr>
-            <a:r>
-              <a:rPr dirty="0">
-                <a:latin typeface="Androgyne" panose="05080000000003050000" pitchFamily="82" charset="0"/>
-              </a:rPr>
-              <a:t>The boxplot shows the variation in prices by year, highlighting market volatility.</a:t>
-            </a:r>
+            <a:r>
+              <a:rPr lang="en-US" dirty="0"/>
+              <a:t>This pie chart provides a straightforward visual representation of the gender distribution, highlighting the underrepresentation of women in the home guard workforce</a:t>
+            </a:r>
+          </a:p>
+          <a:p>
+            <a:endParaRPr dirty="0">
+              <a:latin typeface="Androgyne" panose="05080000000003050000" pitchFamily="82" charset="0"/>
+            </a:endParaRPr>
           </a:p>
         </p:txBody>
       </p:sp>
@@ -5683,7 +5370,7 @@
         </p:blipFill>
         <p:spPr>
           <a:xfrm>
-            <a:off x="385210" y="2273968"/>
+            <a:off x="276353" y="1653925"/>
             <a:ext cx="8373579" cy="3771900"/>
           </a:xfrm>
           <a:prstGeom prst="rect">
@@ -5779,14 +5466,52 @@
         </p:blipFill>
         <p:spPr>
           <a:xfrm>
-            <a:off x="0" y="1900989"/>
-            <a:ext cx="9144000" cy="4510526"/>
+            <a:off x="22860" y="1737361"/>
+            <a:ext cx="8587740" cy="3509553"/>
           </a:xfrm>
           <a:prstGeom prst="rect">
             <a:avLst/>
           </a:prstGeom>
         </p:spPr>
       </p:pic>
+      <p:sp>
+        <p:nvSpPr>
+          <p:cNvPr id="3" name="TextBox 2">
+            <a:extLst>
+              <a:ext uri="{FF2B5EF4-FFF2-40B4-BE49-F238E27FC236}">
+                <a16:creationId xmlns:a16="http://schemas.microsoft.com/office/drawing/2014/main" id="{18072266-CE4C-2B60-31A4-C9376A657000}"/>
+              </a:ext>
+            </a:extLst>
+          </p:cNvPr>
+          <p:cNvSpPr txBox="1"/>
+          <p:nvPr/>
+        </p:nvSpPr>
+        <p:spPr>
+          <a:xfrm>
+            <a:off x="822960" y="5094514"/>
+            <a:ext cx="7711440" cy="923330"/>
+          </a:xfrm>
+          <a:prstGeom prst="rect">
+            <a:avLst/>
+          </a:prstGeom>
+          <a:noFill/>
+        </p:spPr>
+        <p:txBody>
+          <a:bodyPr wrap="square" rtlCol="0">
+            <a:spAutoFit/>
+          </a:bodyPr>
+          <a:lstStyle/>
+          <a:p>
+            <a:r>
+              <a:rPr lang="en-US" dirty="0"/>
+              <a:t>This chart highlights the districts with the most pressing need for home guard recruitment, with Kolar facing the most substantial shortfall</a:t>
+            </a:r>
+          </a:p>
+          <a:p>
+            <a:endParaRPr lang="en-IN" dirty="0"/>
+          </a:p>
+        </p:txBody>
+      </p:sp>
     </p:spTree>
     <p:extLst>
       <p:ext uri="{BB962C8B-B14F-4D97-AF65-F5344CB8AC3E}">
@@ -5839,7 +5564,12 @@
             <p:ph type="title"/>
           </p:nvPr>
         </p:nvSpPr>
-        <p:spPr/>
+        <p:spPr>
+          <a:xfrm>
+            <a:off x="822960" y="286604"/>
+            <a:ext cx="7543800" cy="1112141"/>
+          </a:xfrm>
+        </p:spPr>
         <p:txBody>
           <a:bodyPr>
             <a:normAutofit/>
@@ -5900,162 +5630,6 @@
           </a:prstGeom>
         </p:spPr>
       </p:pic>
-      <p:sp>
-        <p:nvSpPr>
-          <p:cNvPr id="6" name="Rectangle 1">
-            <a:extLst>
-              <a:ext uri="{FF2B5EF4-FFF2-40B4-BE49-F238E27FC236}">
-                <a16:creationId xmlns:a16="http://schemas.microsoft.com/office/drawing/2014/main" id="{2B3F93EA-53EB-56AC-8846-A71BB200571C}"/>
-              </a:ext>
-            </a:extLst>
-          </p:cNvPr>
-          <p:cNvSpPr>
-            <a:spLocks noChangeArrowheads="1"/>
-          </p:cNvSpPr>
-          <p:nvPr/>
-        </p:nvSpPr>
-        <p:spPr bwMode="auto">
-          <a:xfrm rot="10800000" flipV="1">
-            <a:off x="781663" y="5144461"/>
-            <a:ext cx="7875639" cy="1200329"/>
-          </a:xfrm>
-          <a:prstGeom prst="rect">
-            <a:avLst/>
-          </a:prstGeom>
-          <a:noFill/>
-          <a:ln>
-            <a:noFill/>
-          </a:ln>
-          <a:effectLst/>
-          <a:extLst>
-            <a:ext uri="{909E8E84-426E-40DD-AFC4-6F175D3DCCD1}">
-              <a14:hiddenFill xmlns:a14="http://schemas.microsoft.com/office/drawing/2010/main">
-                <a:solidFill>
-                  <a:schemeClr val="accent1"/>
-                </a:solidFill>
-              </a14:hiddenFill>
-            </a:ext>
-            <a:ext uri="{91240B29-F687-4F45-9708-019B960494DF}">
-              <a14:hiddenLine xmlns:a14="http://schemas.microsoft.com/office/drawing/2010/main" w="9525">
-                <a:solidFill>
-                  <a:schemeClr val="tx1"/>
-                </a:solidFill>
-                <a:miter lim="800000"/>
-                <a:headEnd/>
-                <a:tailEnd/>
-              </a14:hiddenLine>
-            </a:ext>
-            <a:ext uri="{AF507438-7753-43E0-B8FC-AC1667EBCBE1}">
-              <a14:hiddenEffects xmlns:a14="http://schemas.microsoft.com/office/drawing/2010/main">
-                <a:effectLst>
-                  <a:outerShdw dist="35921" dir="2700000" algn="ctr" rotWithShape="0">
-                    <a:schemeClr val="bg2"/>
-                  </a:outerShdw>
-                </a:effectLst>
-              </a14:hiddenEffects>
-            </a:ext>
-          </a:extLst>
-        </p:spPr>
-        <p:txBody>
-          <a:bodyPr vert="horz" wrap="square" lIns="91440" tIns="45720" rIns="91440" bIns="45720" numCol="1" anchor="ctr" anchorCtr="0" compatLnSpc="1">
-            <a:prstTxWarp prst="textNoShape">
-              <a:avLst/>
-            </a:prstTxWarp>
-            <a:spAutoFit/>
-          </a:bodyPr>
-          <a:lstStyle/>
-          <a:p>
-            <a:pPr marL="0" marR="0" lvl="0" indent="0" algn="l" defTabSz="914400" rtl="0" eaLnBrk="0" fontAlgn="base" latinLnBrk="0" hangingPunct="0">
-              <a:lnSpc>
-                <a:spcPct val="100000"/>
-              </a:lnSpc>
-              <a:spcBef>
-                <a:spcPct val="0"/>
-              </a:spcBef>
-              <a:spcAft>
-                <a:spcPct val="0"/>
-              </a:spcAft>
-              <a:buClrTx/>
-              <a:buSzTx/>
-              <a:buFontTx/>
-              <a:buNone/>
-              <a:tabLst/>
-            </a:pPr>
-            <a:endParaRPr kumimoji="0" lang="en-US" altLang="en-US" sz="1800" b="0" i="0" u="none" strike="noStrike" cap="none" normalizeH="0" baseline="0" dirty="0">
-              <a:ln>
-                <a:noFill/>
-              </a:ln>
-              <a:solidFill>
-                <a:schemeClr val="tx1"/>
-              </a:solidFill>
-              <a:effectLst/>
-              <a:latin typeface="Androgyne" panose="05080000000003050000" pitchFamily="82" charset="0"/>
-            </a:endParaRPr>
-          </a:p>
-          <a:p>
-            <a:pPr marL="0" marR="0" lvl="0" indent="0" algn="l" defTabSz="914400" rtl="0" eaLnBrk="0" fontAlgn="base" latinLnBrk="0" hangingPunct="0">
-              <a:lnSpc>
-                <a:spcPct val="100000"/>
-              </a:lnSpc>
-              <a:spcBef>
-                <a:spcPct val="0"/>
-              </a:spcBef>
-              <a:spcAft>
-                <a:spcPct val="0"/>
-              </a:spcAft>
-              <a:buClrTx/>
-              <a:buSzTx/>
-              <a:buFontTx/>
-              <a:buChar char="•"/>
-              <a:tabLst/>
-            </a:pPr>
-            <a:r>
-              <a:rPr kumimoji="0" lang="en-US" altLang="en-US" sz="1800" b="0" i="0" u="none" strike="noStrike" cap="none" normalizeH="0" baseline="0" dirty="0">
-                <a:ln>
-                  <a:noFill/>
-                </a:ln>
-                <a:solidFill>
-                  <a:schemeClr val="tx1"/>
-                </a:solidFill>
-                <a:effectLst/>
-                <a:latin typeface="Androgyne" panose="05080000000003050000" pitchFamily="82" charset="0"/>
-              </a:rPr>
-              <a:t>This line plot shows how the average onion price has changed year over year. </a:t>
-            </a:r>
-          </a:p>
-          <a:p>
-            <a:pPr marL="0" marR="0" lvl="0" indent="0" algn="l" defTabSz="914400" rtl="0" eaLnBrk="0" fontAlgn="base" latinLnBrk="0" hangingPunct="0">
-              <a:lnSpc>
-                <a:spcPct val="100000"/>
-              </a:lnSpc>
-              <a:spcBef>
-                <a:spcPct val="0"/>
-              </a:spcBef>
-              <a:spcAft>
-                <a:spcPct val="0"/>
-              </a:spcAft>
-              <a:buClrTx/>
-              <a:buSzTx/>
-              <a:buFontTx/>
-              <a:buChar char="•"/>
-              <a:tabLst/>
-            </a:pPr>
-            <a:r>
-              <a:rPr kumimoji="0" lang="en-US" altLang="en-US" sz="1800" b="0" i="0" u="none" strike="noStrike" cap="none" normalizeH="0" baseline="0" dirty="0">
-                <a:ln>
-                  <a:noFill/>
-                </a:ln>
-                <a:solidFill>
-                  <a:schemeClr val="tx1"/>
-                </a:solidFill>
-                <a:effectLst/>
-                <a:latin typeface="Androgyne" panose="05080000000003050000" pitchFamily="82" charset="0"/>
-              </a:rPr>
-              <a:t>It helps visualize overall market growth or decline trends. </a:t>
-            </a:r>
-          </a:p>
-        </p:txBody>
-      </p:sp>
       <p:pic>
         <p:nvPicPr>
           <p:cNvPr id="5" name="Picture 4">
@@ -6078,14 +5652,52 @@
         </p:blipFill>
         <p:spPr>
           <a:xfrm>
-            <a:off x="0" y="1737361"/>
-            <a:ext cx="9144000" cy="4946046"/>
+            <a:off x="0" y="1398745"/>
+            <a:ext cx="7543800" cy="4080488"/>
           </a:xfrm>
           <a:prstGeom prst="rect">
             <a:avLst/>
           </a:prstGeom>
         </p:spPr>
       </p:pic>
+      <p:sp>
+        <p:nvSpPr>
+          <p:cNvPr id="3" name="TextBox 2">
+            <a:extLst>
+              <a:ext uri="{FF2B5EF4-FFF2-40B4-BE49-F238E27FC236}">
+                <a16:creationId xmlns:a16="http://schemas.microsoft.com/office/drawing/2014/main" id="{2D609983-2FD2-524D-C7AF-55B0C677E923}"/>
+              </a:ext>
+            </a:extLst>
+          </p:cNvPr>
+          <p:cNvSpPr txBox="1"/>
+          <p:nvPr/>
+        </p:nvSpPr>
+        <p:spPr>
+          <a:xfrm>
+            <a:off x="511629" y="5246914"/>
+            <a:ext cx="7032171" cy="1200329"/>
+          </a:xfrm>
+          <a:prstGeom prst="rect">
+            <a:avLst/>
+          </a:prstGeom>
+          <a:noFill/>
+        </p:spPr>
+        <p:txBody>
+          <a:bodyPr wrap="square" rtlCol="0">
+            <a:spAutoFit/>
+          </a:bodyPr>
+          <a:lstStyle/>
+          <a:p>
+            <a:r>
+              <a:rPr lang="en-US" dirty="0"/>
+              <a:t>The image is a scatter plot titled "Actual Strength vs. Allotted Strength," comparing the actual number of home guards (y-axis) to the allotted number of home guards (x-axis) across various districts. </a:t>
+            </a:r>
+          </a:p>
+          <a:p>
+            <a:endParaRPr lang="en-IN" dirty="0"/>
+          </a:p>
+        </p:txBody>
+      </p:sp>
     </p:spTree>
     <p:extLst>
       <p:ext uri="{BB962C8B-B14F-4D97-AF65-F5344CB8AC3E}">
@@ -6122,35 +5734,6 @@
           <a:chExt cx="0" cy="0"/>
         </a:xfrm>
       </p:grpSpPr>
-      <p:sp>
-        <p:nvSpPr>
-          <p:cNvPr id="2" name="Title 1">
-            <a:extLst>
-              <a:ext uri="{FF2B5EF4-FFF2-40B4-BE49-F238E27FC236}">
-                <a16:creationId xmlns:a16="http://schemas.microsoft.com/office/drawing/2014/main" id="{85FFC2CB-7EFE-5848-E355-AA2270B34ADB}"/>
-              </a:ext>
-            </a:extLst>
-          </p:cNvPr>
-          <p:cNvSpPr>
-            <a:spLocks noGrp="1"/>
-          </p:cNvSpPr>
-          <p:nvPr>
-            <p:ph type="title"/>
-          </p:nvPr>
-        </p:nvSpPr>
-        <p:spPr/>
-        <p:txBody>
-          <a:bodyPr>
-            <a:normAutofit/>
-          </a:bodyPr>
-          <a:lstStyle/>
-          <a:p>
-            <a:endParaRPr dirty="0">
-              <a:latin typeface="Androgyne" panose="05080000000003050000" pitchFamily="82" charset="0"/>
-            </a:endParaRPr>
-          </a:p>
-        </p:txBody>
-      </p:sp>
       <p:pic>
         <p:nvPicPr>
           <p:cNvPr id="4" name="Picture 3">
@@ -6173,14 +5756,52 @@
         </p:blipFill>
         <p:spPr>
           <a:xfrm>
-            <a:off x="70809" y="757989"/>
-            <a:ext cx="9002381" cy="4788569"/>
+            <a:off x="280332" y="237946"/>
+            <a:ext cx="8147905" cy="4334054"/>
           </a:xfrm>
           <a:prstGeom prst="rect">
             <a:avLst/>
           </a:prstGeom>
         </p:spPr>
       </p:pic>
+      <p:sp>
+        <p:nvSpPr>
+          <p:cNvPr id="3" name="TextBox 2">
+            <a:extLst>
+              <a:ext uri="{FF2B5EF4-FFF2-40B4-BE49-F238E27FC236}">
+                <a16:creationId xmlns:a16="http://schemas.microsoft.com/office/drawing/2014/main" id="{4EB5624C-5536-A28B-24B2-BA1358A6EFBF}"/>
+              </a:ext>
+            </a:extLst>
+          </p:cNvPr>
+          <p:cNvSpPr txBox="1"/>
+          <p:nvPr/>
+        </p:nvSpPr>
+        <p:spPr>
+          <a:xfrm>
+            <a:off x="1012371" y="4572000"/>
+            <a:ext cx="7415866" cy="1469572"/>
+          </a:xfrm>
+          <a:prstGeom prst="rect">
+            <a:avLst/>
+          </a:prstGeom>
+          <a:noFill/>
+        </p:spPr>
+        <p:txBody>
+          <a:bodyPr wrap="square" rtlCol="0">
+            <a:spAutoFit/>
+          </a:bodyPr>
+          <a:lstStyle/>
+          <a:p>
+            <a:r>
+              <a:rPr lang="en-US" dirty="0"/>
+              <a:t>The image is a histogram titled "Vacancy Distribution Across Districts," showing the distribution of home guard vacancies across various districts. The x-axis represents the vacancy count, ranging from 0 to 350, while the y-axis represents the number of districts, ranging from 0 to 8.</a:t>
+            </a:r>
+          </a:p>
+          <a:p>
+            <a:endParaRPr lang="en-IN" dirty="0"/>
+          </a:p>
+        </p:txBody>
+      </p:sp>
     </p:spTree>
     <p:extLst>
       <p:ext uri="{BB962C8B-B14F-4D97-AF65-F5344CB8AC3E}">
